--- a/Schiffe versenken.pptx
+++ b/Schiffe versenken.pptx
@@ -4,6 +4,9 @@
   <p:sldMasterIdLst>
     <p:sldMasterId id="2147483648" r:id="rId1"/>
   </p:sldMasterIdLst>
+  <p:notesMasterIdLst>
+    <p:notesMasterId r:id="rId16"/>
+  </p:notesMasterIdLst>
   <p:sldIdLst>
     <p:sldId id="256" r:id="rId2"/>
     <p:sldId id="257" r:id="rId3"/>
@@ -3748,6 +3751,355 @@
 </dgm:styleDef>
 </file>
 
+<file path=ppt/notesMasters/notesMaster1.xml><?xml version="1.0" encoding="utf-8"?>
+<p:notesMaster xmlns:a="http://schemas.openxmlformats.org/drawingml/2006/main" xmlns:r="http://schemas.openxmlformats.org/officeDocument/2006/relationships" xmlns:p="http://schemas.openxmlformats.org/presentationml/2006/main">
+  <p:cSld>
+    <p:bg>
+      <p:bgRef idx="1001">
+        <a:schemeClr val="bg1"/>
+      </p:bgRef>
+    </p:bg>
+    <p:spTree>
+      <p:nvGrpSpPr>
+        <p:cNvPr id="1" name=""/>
+        <p:cNvGrpSpPr/>
+        <p:nvPr/>
+      </p:nvGrpSpPr>
+      <p:grpSpPr>
+        <a:xfrm>
+          <a:off x="0" y="0"/>
+          <a:ext cx="0" cy="0"/>
+          <a:chOff x="0" y="0"/>
+          <a:chExt cx="0" cy="0"/>
+        </a:xfrm>
+      </p:grpSpPr>
+      <p:sp>
+        <p:nvSpPr>
+          <p:cNvPr id="2" name="Kopfzeilenplatzhalter 1"/>
+          <p:cNvSpPr>
+            <a:spLocks noGrp="1"/>
+          </p:cNvSpPr>
+          <p:nvPr>
+            <p:ph type="hdr" sz="quarter"/>
+          </p:nvPr>
+        </p:nvSpPr>
+        <p:spPr>
+          <a:xfrm>
+            <a:off x="0" y="0"/>
+            <a:ext cx="2971800" cy="458788"/>
+          </a:xfrm>
+          <a:prstGeom prst="rect">
+            <a:avLst/>
+          </a:prstGeom>
+        </p:spPr>
+        <p:txBody>
+          <a:bodyPr vert="horz" lIns="91440" tIns="45720" rIns="91440" bIns="45720" rtlCol="0"/>
+          <a:lstStyle>
+            <a:lvl1pPr algn="l">
+              <a:defRPr sz="1200"/>
+            </a:lvl1pPr>
+          </a:lstStyle>
+          <a:p>
+            <a:endParaRPr lang="de-DE"/>
+          </a:p>
+        </p:txBody>
+      </p:sp>
+      <p:sp>
+        <p:nvSpPr>
+          <p:cNvPr id="3" name="Datumsplatzhalter 2"/>
+          <p:cNvSpPr>
+            <a:spLocks noGrp="1"/>
+          </p:cNvSpPr>
+          <p:nvPr>
+            <p:ph type="dt" idx="1"/>
+          </p:nvPr>
+        </p:nvSpPr>
+        <p:spPr>
+          <a:xfrm>
+            <a:off x="3884613" y="0"/>
+            <a:ext cx="2971800" cy="458788"/>
+          </a:xfrm>
+          <a:prstGeom prst="rect">
+            <a:avLst/>
+          </a:prstGeom>
+        </p:spPr>
+        <p:txBody>
+          <a:bodyPr vert="horz" lIns="91440" tIns="45720" rIns="91440" bIns="45720" rtlCol="0"/>
+          <a:lstStyle>
+            <a:lvl1pPr algn="r">
+              <a:defRPr sz="1200"/>
+            </a:lvl1pPr>
+          </a:lstStyle>
+          <a:p>
+            <a:fld id="{8B16ECC7-2834-4F19-AF4E-ECBA9FA9199E}" type="datetimeFigureOut">
+              <a:rPr lang="de-DE" smtClean="0"/>
+              <a:t>15.05.2023</a:t>
+            </a:fld>
+            <a:endParaRPr lang="de-DE"/>
+          </a:p>
+        </p:txBody>
+      </p:sp>
+      <p:sp>
+        <p:nvSpPr>
+          <p:cNvPr id="4" name="Folienbildplatzhalter 3"/>
+          <p:cNvSpPr>
+            <a:spLocks noGrp="1" noRot="1" noChangeAspect="1"/>
+          </p:cNvSpPr>
+          <p:nvPr>
+            <p:ph type="sldImg" idx="2"/>
+          </p:nvPr>
+        </p:nvSpPr>
+        <p:spPr>
+          <a:xfrm>
+            <a:off x="685800" y="1143000"/>
+            <a:ext cx="5486400" cy="3086100"/>
+          </a:xfrm>
+          <a:prstGeom prst="rect">
+            <a:avLst/>
+          </a:prstGeom>
+          <a:noFill/>
+          <a:ln w="12700">
+            <a:solidFill>
+              <a:prstClr val="black"/>
+            </a:solidFill>
+          </a:ln>
+        </p:spPr>
+        <p:txBody>
+          <a:bodyPr vert="horz" lIns="91440" tIns="45720" rIns="91440" bIns="45720" rtlCol="0" anchor="ctr"/>
+          <a:lstStyle/>
+          <a:p>
+            <a:endParaRPr lang="de-DE"/>
+          </a:p>
+        </p:txBody>
+      </p:sp>
+      <p:sp>
+        <p:nvSpPr>
+          <p:cNvPr id="5" name="Notizenplatzhalter 4"/>
+          <p:cNvSpPr>
+            <a:spLocks noGrp="1"/>
+          </p:cNvSpPr>
+          <p:nvPr>
+            <p:ph type="body" sz="quarter" idx="3"/>
+          </p:nvPr>
+        </p:nvSpPr>
+        <p:spPr>
+          <a:xfrm>
+            <a:off x="685800" y="4400550"/>
+            <a:ext cx="5486400" cy="3600450"/>
+          </a:xfrm>
+          <a:prstGeom prst="rect">
+            <a:avLst/>
+          </a:prstGeom>
+        </p:spPr>
+        <p:txBody>
+          <a:bodyPr vert="horz" lIns="91440" tIns="45720" rIns="91440" bIns="45720" rtlCol="0"/>
+          <a:lstStyle/>
+          <a:p>
+            <a:pPr lvl="0"/>
+            <a:r>
+              <a:rPr lang="de-DE"/>
+              <a:t>Mastertextformat bearbeiten</a:t>
+            </a:r>
+          </a:p>
+          <a:p>
+            <a:pPr lvl="1"/>
+            <a:r>
+              <a:rPr lang="de-DE"/>
+              <a:t>Zweite Ebene</a:t>
+            </a:r>
+          </a:p>
+          <a:p>
+            <a:pPr lvl="2"/>
+            <a:r>
+              <a:rPr lang="de-DE"/>
+              <a:t>Dritte Ebene</a:t>
+            </a:r>
+          </a:p>
+          <a:p>
+            <a:pPr lvl="3"/>
+            <a:r>
+              <a:rPr lang="de-DE"/>
+              <a:t>Vierte Ebene</a:t>
+            </a:r>
+          </a:p>
+          <a:p>
+            <a:pPr lvl="4"/>
+            <a:r>
+              <a:rPr lang="de-DE"/>
+              <a:t>Fünfte Ebene</a:t>
+            </a:r>
+          </a:p>
+        </p:txBody>
+      </p:sp>
+      <p:sp>
+        <p:nvSpPr>
+          <p:cNvPr id="6" name="Fußzeilenplatzhalter 5"/>
+          <p:cNvSpPr>
+            <a:spLocks noGrp="1"/>
+          </p:cNvSpPr>
+          <p:nvPr>
+            <p:ph type="ftr" sz="quarter" idx="4"/>
+          </p:nvPr>
+        </p:nvSpPr>
+        <p:spPr>
+          <a:xfrm>
+            <a:off x="0" y="8685213"/>
+            <a:ext cx="2971800" cy="458787"/>
+          </a:xfrm>
+          <a:prstGeom prst="rect">
+            <a:avLst/>
+          </a:prstGeom>
+        </p:spPr>
+        <p:txBody>
+          <a:bodyPr vert="horz" lIns="91440" tIns="45720" rIns="91440" bIns="45720" rtlCol="0" anchor="b"/>
+          <a:lstStyle>
+            <a:lvl1pPr algn="l">
+              <a:defRPr sz="1200"/>
+            </a:lvl1pPr>
+          </a:lstStyle>
+          <a:p>
+            <a:endParaRPr lang="de-DE"/>
+          </a:p>
+        </p:txBody>
+      </p:sp>
+      <p:sp>
+        <p:nvSpPr>
+          <p:cNvPr id="7" name="Foliennummernplatzhalter 6"/>
+          <p:cNvSpPr>
+            <a:spLocks noGrp="1"/>
+          </p:cNvSpPr>
+          <p:nvPr>
+            <p:ph type="sldNum" sz="quarter" idx="5"/>
+          </p:nvPr>
+        </p:nvSpPr>
+        <p:spPr>
+          <a:xfrm>
+            <a:off x="3884613" y="8685213"/>
+            <a:ext cx="2971800" cy="458787"/>
+          </a:xfrm>
+          <a:prstGeom prst="rect">
+            <a:avLst/>
+          </a:prstGeom>
+        </p:spPr>
+        <p:txBody>
+          <a:bodyPr vert="horz" lIns="91440" tIns="45720" rIns="91440" bIns="45720" rtlCol="0" anchor="b"/>
+          <a:lstStyle>
+            <a:lvl1pPr algn="r">
+              <a:defRPr sz="1200"/>
+            </a:lvl1pPr>
+          </a:lstStyle>
+          <a:p>
+            <a:fld id="{B0EFBC9E-BC42-47B2-AA0D-775FE779A92A}" type="slidenum">
+              <a:rPr lang="de-DE" smtClean="0"/>
+              <a:t>‹Nr.›</a:t>
+            </a:fld>
+            <a:endParaRPr lang="de-DE"/>
+          </a:p>
+        </p:txBody>
+      </p:sp>
+    </p:spTree>
+    <p:extLst>
+      <p:ext uri="{BB962C8B-B14F-4D97-AF65-F5344CB8AC3E}">
+        <p14:creationId xmlns:p14="http://schemas.microsoft.com/office/powerpoint/2010/main" val="2253980586"/>
+      </p:ext>
+    </p:extLst>
+  </p:cSld>
+  <p:clrMap bg1="lt1" tx1="dk1" bg2="lt2" tx2="dk2" accent1="accent1" accent2="accent2" accent3="accent3" accent4="accent4" accent5="accent5" accent6="accent6" hlink="hlink" folHlink="folHlink"/>
+  <p:notesStyle>
+    <a:lvl1pPr marL="0" algn="l" defTabSz="914400" rtl="0" eaLnBrk="1" latinLnBrk="0" hangingPunct="1">
+      <a:defRPr sz="1200" kern="1200">
+        <a:solidFill>
+          <a:schemeClr val="tx1"/>
+        </a:solidFill>
+        <a:latin typeface="+mn-lt"/>
+        <a:ea typeface="+mn-ea"/>
+        <a:cs typeface="+mn-cs"/>
+      </a:defRPr>
+    </a:lvl1pPr>
+    <a:lvl2pPr marL="457200" algn="l" defTabSz="914400" rtl="0" eaLnBrk="1" latinLnBrk="0" hangingPunct="1">
+      <a:defRPr sz="1200" kern="1200">
+        <a:solidFill>
+          <a:schemeClr val="tx1"/>
+        </a:solidFill>
+        <a:latin typeface="+mn-lt"/>
+        <a:ea typeface="+mn-ea"/>
+        <a:cs typeface="+mn-cs"/>
+      </a:defRPr>
+    </a:lvl2pPr>
+    <a:lvl3pPr marL="914400" algn="l" defTabSz="914400" rtl="0" eaLnBrk="1" latinLnBrk="0" hangingPunct="1">
+      <a:defRPr sz="1200" kern="1200">
+        <a:solidFill>
+          <a:schemeClr val="tx1"/>
+        </a:solidFill>
+        <a:latin typeface="+mn-lt"/>
+        <a:ea typeface="+mn-ea"/>
+        <a:cs typeface="+mn-cs"/>
+      </a:defRPr>
+    </a:lvl3pPr>
+    <a:lvl4pPr marL="1371600" algn="l" defTabSz="914400" rtl="0" eaLnBrk="1" latinLnBrk="0" hangingPunct="1">
+      <a:defRPr sz="1200" kern="1200">
+        <a:solidFill>
+          <a:schemeClr val="tx1"/>
+        </a:solidFill>
+        <a:latin typeface="+mn-lt"/>
+        <a:ea typeface="+mn-ea"/>
+        <a:cs typeface="+mn-cs"/>
+      </a:defRPr>
+    </a:lvl4pPr>
+    <a:lvl5pPr marL="1828800" algn="l" defTabSz="914400" rtl="0" eaLnBrk="1" latinLnBrk="0" hangingPunct="1">
+      <a:defRPr sz="1200" kern="1200">
+        <a:solidFill>
+          <a:schemeClr val="tx1"/>
+        </a:solidFill>
+        <a:latin typeface="+mn-lt"/>
+        <a:ea typeface="+mn-ea"/>
+        <a:cs typeface="+mn-cs"/>
+      </a:defRPr>
+    </a:lvl5pPr>
+    <a:lvl6pPr marL="2286000" algn="l" defTabSz="914400" rtl="0" eaLnBrk="1" latinLnBrk="0" hangingPunct="1">
+      <a:defRPr sz="1200" kern="1200">
+        <a:solidFill>
+          <a:schemeClr val="tx1"/>
+        </a:solidFill>
+        <a:latin typeface="+mn-lt"/>
+        <a:ea typeface="+mn-ea"/>
+        <a:cs typeface="+mn-cs"/>
+      </a:defRPr>
+    </a:lvl6pPr>
+    <a:lvl7pPr marL="2743200" algn="l" defTabSz="914400" rtl="0" eaLnBrk="1" latinLnBrk="0" hangingPunct="1">
+      <a:defRPr sz="1200" kern="1200">
+        <a:solidFill>
+          <a:schemeClr val="tx1"/>
+        </a:solidFill>
+        <a:latin typeface="+mn-lt"/>
+        <a:ea typeface="+mn-ea"/>
+        <a:cs typeface="+mn-cs"/>
+      </a:defRPr>
+    </a:lvl7pPr>
+    <a:lvl8pPr marL="3200400" algn="l" defTabSz="914400" rtl="0" eaLnBrk="1" latinLnBrk="0" hangingPunct="1">
+      <a:defRPr sz="1200" kern="1200">
+        <a:solidFill>
+          <a:schemeClr val="tx1"/>
+        </a:solidFill>
+        <a:latin typeface="+mn-lt"/>
+        <a:ea typeface="+mn-ea"/>
+        <a:cs typeface="+mn-cs"/>
+      </a:defRPr>
+    </a:lvl8pPr>
+    <a:lvl9pPr marL="3657600" algn="l" defTabSz="914400" rtl="0" eaLnBrk="1" latinLnBrk="0" hangingPunct="1">
+      <a:defRPr sz="1200" kern="1200">
+        <a:solidFill>
+          <a:schemeClr val="tx1"/>
+        </a:solidFill>
+        <a:latin typeface="+mn-lt"/>
+        <a:ea typeface="+mn-ea"/>
+        <a:cs typeface="+mn-cs"/>
+      </a:defRPr>
+    </a:lvl9pPr>
+  </p:notesStyle>
+</p:notesMaster>
+</file>
+
 <file path=ppt/slideLayouts/slideLayout1.xml><?xml version="1.0" encoding="utf-8"?>
 <p:sldLayout xmlns:a="http://schemas.openxmlformats.org/drawingml/2006/main" xmlns:r="http://schemas.openxmlformats.org/officeDocument/2006/relationships" xmlns:p="http://schemas.openxmlformats.org/presentationml/2006/main" type="title" preserve="1">
   <p:cSld name="Titelfolie">
@@ -3893,7 +4245,7 @@
           <a:bodyPr/>
           <a:lstStyle/>
           <a:p>
-            <a:fld id="{210E782C-22A8-4408-A544-39F33DC1334E}" type="datetimeFigureOut">
+            <a:fld id="{689D2D95-F659-4CC8-B061-025CA342458E}" type="datetime1">
               <a:rPr lang="de-DE" smtClean="0"/>
               <a:t>15.05.2023</a:t>
             </a:fld>
@@ -3922,7 +4274,10 @@
           <a:bodyPr/>
           <a:lstStyle/>
           <a:p>
-            <a:endParaRPr lang="de-DE"/>
+            <a:r>
+              <a:rPr lang="de-DE"/>
+              <a:t>/14</a:t>
+            </a:r>
           </a:p>
         </p:txBody>
       </p:sp>
@@ -4091,7 +4446,7 @@
           <a:bodyPr/>
           <a:lstStyle/>
           <a:p>
-            <a:fld id="{210E782C-22A8-4408-A544-39F33DC1334E}" type="datetimeFigureOut">
+            <a:fld id="{F7DE543F-EDA9-4F0D-82B7-EB6320076D22}" type="datetime1">
               <a:rPr lang="de-DE" smtClean="0"/>
               <a:t>15.05.2023</a:t>
             </a:fld>
@@ -4120,7 +4475,10 @@
           <a:bodyPr/>
           <a:lstStyle/>
           <a:p>
-            <a:endParaRPr lang="de-DE"/>
+            <a:r>
+              <a:rPr lang="de-DE"/>
+              <a:t>/14</a:t>
+            </a:r>
           </a:p>
         </p:txBody>
       </p:sp>
@@ -4299,7 +4657,7 @@
           <a:bodyPr/>
           <a:lstStyle/>
           <a:p>
-            <a:fld id="{210E782C-22A8-4408-A544-39F33DC1334E}" type="datetimeFigureOut">
+            <a:fld id="{3BCAE323-3549-4236-95BD-31C6D8DA63D7}" type="datetime1">
               <a:rPr lang="de-DE" smtClean="0"/>
               <a:t>15.05.2023</a:t>
             </a:fld>
@@ -4328,7 +4686,10 @@
           <a:bodyPr/>
           <a:lstStyle/>
           <a:p>
-            <a:endParaRPr lang="de-DE"/>
+            <a:r>
+              <a:rPr lang="de-DE"/>
+              <a:t>/14</a:t>
+            </a:r>
           </a:p>
         </p:txBody>
       </p:sp>
@@ -4497,7 +4858,7 @@
           <a:bodyPr/>
           <a:lstStyle/>
           <a:p>
-            <a:fld id="{210E782C-22A8-4408-A544-39F33DC1334E}" type="datetimeFigureOut">
+            <a:fld id="{422DBC5F-4FEF-4728-9625-84B59C047477}" type="datetime1">
               <a:rPr lang="de-DE" smtClean="0"/>
               <a:t>15.05.2023</a:t>
             </a:fld>
@@ -4526,7 +4887,10 @@
           <a:bodyPr/>
           <a:lstStyle/>
           <a:p>
-            <a:endParaRPr lang="de-DE"/>
+            <a:r>
+              <a:rPr lang="de-DE"/>
+              <a:t>/14</a:t>
+            </a:r>
           </a:p>
         </p:txBody>
       </p:sp>
@@ -4772,7 +5136,7 @@
           <a:bodyPr/>
           <a:lstStyle/>
           <a:p>
-            <a:fld id="{210E782C-22A8-4408-A544-39F33DC1334E}" type="datetimeFigureOut">
+            <a:fld id="{3D1BDED3-B86D-4FFB-89D3-C1761030B5FC}" type="datetime1">
               <a:rPr lang="de-DE" smtClean="0"/>
               <a:t>15.05.2023</a:t>
             </a:fld>
@@ -4801,7 +5165,10 @@
           <a:bodyPr/>
           <a:lstStyle/>
           <a:p>
-            <a:endParaRPr lang="de-DE"/>
+            <a:r>
+              <a:rPr lang="de-DE"/>
+              <a:t>/14</a:t>
+            </a:r>
           </a:p>
         </p:txBody>
       </p:sp>
@@ -5037,7 +5404,7 @@
           <a:bodyPr/>
           <a:lstStyle/>
           <a:p>
-            <a:fld id="{210E782C-22A8-4408-A544-39F33DC1334E}" type="datetimeFigureOut">
+            <a:fld id="{D37FC0B3-6A16-4915-8E3A-8C1A5A4E83C3}" type="datetime1">
               <a:rPr lang="de-DE" smtClean="0"/>
               <a:t>15.05.2023</a:t>
             </a:fld>
@@ -5066,7 +5433,10 @@
           <a:bodyPr/>
           <a:lstStyle/>
           <a:p>
-            <a:endParaRPr lang="de-DE"/>
+            <a:r>
+              <a:rPr lang="de-DE"/>
+              <a:t>/14</a:t>
+            </a:r>
           </a:p>
         </p:txBody>
       </p:sp>
@@ -5449,7 +5819,7 @@
           <a:bodyPr/>
           <a:lstStyle/>
           <a:p>
-            <a:fld id="{210E782C-22A8-4408-A544-39F33DC1334E}" type="datetimeFigureOut">
+            <a:fld id="{08811F4D-B734-4F7D-9784-5D533DF664DB}" type="datetime1">
               <a:rPr lang="de-DE" smtClean="0"/>
               <a:t>15.05.2023</a:t>
             </a:fld>
@@ -5478,7 +5848,10 @@
           <a:bodyPr/>
           <a:lstStyle/>
           <a:p>
-            <a:endParaRPr lang="de-DE"/>
+            <a:r>
+              <a:rPr lang="de-DE"/>
+              <a:t>/14</a:t>
+            </a:r>
           </a:p>
         </p:txBody>
       </p:sp>
@@ -5590,7 +5963,7 @@
           <a:bodyPr/>
           <a:lstStyle/>
           <a:p>
-            <a:fld id="{210E782C-22A8-4408-A544-39F33DC1334E}" type="datetimeFigureOut">
+            <a:fld id="{0E503A51-93EF-4DA3-A4CF-5176656DF577}" type="datetime1">
               <a:rPr lang="de-DE" smtClean="0"/>
               <a:t>15.05.2023</a:t>
             </a:fld>
@@ -5619,7 +5992,10 @@
           <a:bodyPr/>
           <a:lstStyle/>
           <a:p>
-            <a:endParaRPr lang="de-DE"/>
+            <a:r>
+              <a:rPr lang="de-DE"/>
+              <a:t>/14</a:t>
+            </a:r>
           </a:p>
         </p:txBody>
       </p:sp>
@@ -5703,7 +6079,7 @@
           <a:bodyPr/>
           <a:lstStyle/>
           <a:p>
-            <a:fld id="{210E782C-22A8-4408-A544-39F33DC1334E}" type="datetimeFigureOut">
+            <a:fld id="{3B474DDA-4BC6-415F-AFCB-2523EE2B3F8A}" type="datetime1">
               <a:rPr lang="de-DE" smtClean="0"/>
               <a:t>15.05.2023</a:t>
             </a:fld>
@@ -5732,7 +6108,10 @@
           <a:bodyPr/>
           <a:lstStyle/>
           <a:p>
-            <a:endParaRPr lang="de-DE"/>
+            <a:r>
+              <a:rPr lang="de-DE"/>
+              <a:t>/14</a:t>
+            </a:r>
           </a:p>
         </p:txBody>
       </p:sp>
@@ -6014,7 +6393,7 @@
           <a:bodyPr/>
           <a:lstStyle/>
           <a:p>
-            <a:fld id="{210E782C-22A8-4408-A544-39F33DC1334E}" type="datetimeFigureOut">
+            <a:fld id="{A7FF5A1C-1F17-43E3-899C-99C27A2BABF9}" type="datetime1">
               <a:rPr lang="de-DE" smtClean="0"/>
               <a:t>15.05.2023</a:t>
             </a:fld>
@@ -6043,7 +6422,10 @@
           <a:bodyPr/>
           <a:lstStyle/>
           <a:p>
-            <a:endParaRPr lang="de-DE"/>
+            <a:r>
+              <a:rPr lang="de-DE"/>
+              <a:t>/14</a:t>
+            </a:r>
           </a:p>
         </p:txBody>
       </p:sp>
@@ -6302,7 +6684,7 @@
           <a:bodyPr/>
           <a:lstStyle/>
           <a:p>
-            <a:fld id="{210E782C-22A8-4408-A544-39F33DC1334E}" type="datetimeFigureOut">
+            <a:fld id="{BA3946A0-E3F0-420A-B862-F705DED30CFA}" type="datetime1">
               <a:rPr lang="de-DE" smtClean="0"/>
               <a:t>15.05.2023</a:t>
             </a:fld>
@@ -6331,7 +6713,10 @@
           <a:bodyPr/>
           <a:lstStyle/>
           <a:p>
-            <a:endParaRPr lang="de-DE"/>
+            <a:r>
+              <a:rPr lang="de-DE"/>
+              <a:t>/14</a:t>
+            </a:r>
           </a:p>
         </p:txBody>
       </p:sp>
@@ -6543,7 +6928,7 @@
             </a:lvl1pPr>
           </a:lstStyle>
           <a:p>
-            <a:fld id="{210E782C-22A8-4408-A544-39F33DC1334E}" type="datetimeFigureOut">
+            <a:fld id="{5C73D48D-96B0-4148-8681-0F3CE274E556}" type="datetime1">
               <a:rPr lang="de-DE" smtClean="0"/>
               <a:t>15.05.2023</a:t>
             </a:fld>
@@ -6590,7 +6975,10 @@
             </a:lvl1pPr>
           </a:lstStyle>
           <a:p>
-            <a:endParaRPr lang="de-DE"/>
+            <a:r>
+              <a:rPr lang="de-DE"/>
+              <a:t>/14</a:t>
+            </a:r>
           </a:p>
         </p:txBody>
       </p:sp>
@@ -6662,6 +7050,7 @@
     <p:sldLayoutId id="2147483658" r:id="rId10"/>
     <p:sldLayoutId id="2147483659" r:id="rId11"/>
   </p:sldLayoutIdLst>
+  <p:hf hdr="0" ftr="0" dt="0"/>
   <p:txStyles>
     <p:titleStyle>
       <a:lvl1pPr algn="l" defTabSz="914400" rtl="0" eaLnBrk="1" latinLnBrk="0" hangingPunct="1">
@@ -7577,6 +7966,43 @@
           </a:p>
         </p:txBody>
       </p:sp>
+      <p:sp>
+        <p:nvSpPr>
+          <p:cNvPr id="4" name="Foliennummernplatzhalter 3">
+            <a:extLst>
+              <a:ext uri="{FF2B5EF4-FFF2-40B4-BE49-F238E27FC236}">
+                <a16:creationId xmlns:a16="http://schemas.microsoft.com/office/drawing/2014/main" id="{A6DDEAF4-D4C9-BF14-0A13-FCC866A0CB9C}"/>
+              </a:ext>
+            </a:extLst>
+          </p:cNvPr>
+          <p:cNvSpPr>
+            <a:spLocks noGrp="1"/>
+          </p:cNvSpPr>
+          <p:nvPr>
+            <p:ph type="sldNum" sz="quarter" idx="12"/>
+          </p:nvPr>
+        </p:nvSpPr>
+        <p:spPr/>
+        <p:txBody>
+          <a:bodyPr/>
+          <a:lstStyle/>
+          <a:p>
+            <a:fld id="{0D56C65D-55DC-4838-A81A-8CE4A2C9283D}" type="slidenum">
+              <a:rPr lang="de-DE" smtClean="0">
+                <a:solidFill>
+                  <a:schemeClr val="bg1"/>
+                </a:solidFill>
+              </a:rPr>
+              <a:t>1</a:t>
+            </a:fld>
+            <a:endParaRPr lang="de-DE" dirty="0">
+              <a:solidFill>
+                <a:schemeClr val="bg1"/>
+              </a:solidFill>
+            </a:endParaRPr>
+          </a:p>
+        </p:txBody>
+      </p:sp>
     </p:spTree>
     <p:extLst>
       <p:ext uri="{BB962C8B-B14F-4D97-AF65-F5344CB8AC3E}">
@@ -8262,6 +8688,35 @@
           </a:p>
         </p:txBody>
       </p:sp>
+      <p:sp>
+        <p:nvSpPr>
+          <p:cNvPr id="5" name="Foliennummernplatzhalter 4">
+            <a:extLst>
+              <a:ext uri="{FF2B5EF4-FFF2-40B4-BE49-F238E27FC236}">
+                <a16:creationId xmlns:a16="http://schemas.microsoft.com/office/drawing/2014/main" id="{757EE9B1-2DB7-4004-06AA-65CFC23263EA}"/>
+              </a:ext>
+            </a:extLst>
+          </p:cNvPr>
+          <p:cNvSpPr>
+            <a:spLocks noGrp="1"/>
+          </p:cNvSpPr>
+          <p:nvPr>
+            <p:ph type="sldNum" sz="quarter" idx="12"/>
+          </p:nvPr>
+        </p:nvSpPr>
+        <p:spPr/>
+        <p:txBody>
+          <a:bodyPr/>
+          <a:lstStyle/>
+          <a:p>
+            <a:fld id="{0D56C65D-55DC-4838-A81A-8CE4A2C9283D}" type="slidenum">
+              <a:rPr lang="de-DE" smtClean="0"/>
+              <a:t>10</a:t>
+            </a:fld>
+            <a:endParaRPr lang="de-DE"/>
+          </a:p>
+        </p:txBody>
+      </p:sp>
     </p:spTree>
     <p:extLst>
       <p:ext uri="{BB962C8B-B14F-4D97-AF65-F5344CB8AC3E}">
@@ -8682,6 +9137,35 @@
           </a:prstGeom>
         </p:spPr>
       </p:pic>
+      <p:sp>
+        <p:nvSpPr>
+          <p:cNvPr id="68" name="Foliennummernplatzhalter 67">
+            <a:extLst>
+              <a:ext uri="{FF2B5EF4-FFF2-40B4-BE49-F238E27FC236}">
+                <a16:creationId xmlns:a16="http://schemas.microsoft.com/office/drawing/2014/main" id="{7A11CA13-2CB2-C79B-AA23-07680C15D339}"/>
+              </a:ext>
+            </a:extLst>
+          </p:cNvPr>
+          <p:cNvSpPr>
+            <a:spLocks noGrp="1"/>
+          </p:cNvSpPr>
+          <p:nvPr>
+            <p:ph type="sldNum" sz="quarter" idx="12"/>
+          </p:nvPr>
+        </p:nvSpPr>
+        <p:spPr/>
+        <p:txBody>
+          <a:bodyPr/>
+          <a:lstStyle/>
+          <a:p>
+            <a:fld id="{0D56C65D-55DC-4838-A81A-8CE4A2C9283D}" type="slidenum">
+              <a:rPr lang="de-DE" smtClean="0"/>
+              <a:t>11</a:t>
+            </a:fld>
+            <a:endParaRPr lang="de-DE"/>
+          </a:p>
+        </p:txBody>
+      </p:sp>
     </p:spTree>
     <p:extLst>
       <p:ext uri="{BB962C8B-B14F-4D97-AF65-F5344CB8AC3E}">
@@ -9130,6 +9614,35 @@
           </a:prstGeom>
         </p:spPr>
       </p:pic>
+      <p:sp>
+        <p:nvSpPr>
+          <p:cNvPr id="3" name="Foliennummernplatzhalter 2">
+            <a:extLst>
+              <a:ext uri="{FF2B5EF4-FFF2-40B4-BE49-F238E27FC236}">
+                <a16:creationId xmlns:a16="http://schemas.microsoft.com/office/drawing/2014/main" id="{AE537326-9245-544E-1F66-C7F1F88915B6}"/>
+              </a:ext>
+            </a:extLst>
+          </p:cNvPr>
+          <p:cNvSpPr>
+            <a:spLocks noGrp="1"/>
+          </p:cNvSpPr>
+          <p:nvPr>
+            <p:ph type="sldNum" sz="quarter" idx="12"/>
+          </p:nvPr>
+        </p:nvSpPr>
+        <p:spPr/>
+        <p:txBody>
+          <a:bodyPr/>
+          <a:lstStyle/>
+          <a:p>
+            <a:fld id="{0D56C65D-55DC-4838-A81A-8CE4A2C9283D}" type="slidenum">
+              <a:rPr lang="de-DE" smtClean="0"/>
+              <a:t>12</a:t>
+            </a:fld>
+            <a:endParaRPr lang="de-DE"/>
+          </a:p>
+        </p:txBody>
+      </p:sp>
     </p:spTree>
     <p:extLst>
       <p:ext uri="{BB962C8B-B14F-4D97-AF65-F5344CB8AC3E}">
@@ -9803,6 +10316,35 @@
           </a:p>
         </p:txBody>
       </p:sp>
+      <p:sp>
+        <p:nvSpPr>
+          <p:cNvPr id="4" name="Foliennummernplatzhalter 3">
+            <a:extLst>
+              <a:ext uri="{FF2B5EF4-FFF2-40B4-BE49-F238E27FC236}">
+                <a16:creationId xmlns:a16="http://schemas.microsoft.com/office/drawing/2014/main" id="{2C4C4924-33CA-864A-BA7F-7E263A009BD1}"/>
+              </a:ext>
+            </a:extLst>
+          </p:cNvPr>
+          <p:cNvSpPr>
+            <a:spLocks noGrp="1"/>
+          </p:cNvSpPr>
+          <p:nvPr>
+            <p:ph type="sldNum" sz="quarter" idx="12"/>
+          </p:nvPr>
+        </p:nvSpPr>
+        <p:spPr/>
+        <p:txBody>
+          <a:bodyPr/>
+          <a:lstStyle/>
+          <a:p>
+            <a:fld id="{0D56C65D-55DC-4838-A81A-8CE4A2C9283D}" type="slidenum">
+              <a:rPr lang="de-DE" smtClean="0"/>
+              <a:t>13</a:t>
+            </a:fld>
+            <a:endParaRPr lang="de-DE"/>
+          </a:p>
+        </p:txBody>
+      </p:sp>
     </p:spTree>
     <p:extLst>
       <p:ext uri="{BB962C8B-B14F-4D97-AF65-F5344CB8AC3E}">
@@ -10264,6 +10806,35 @@
           </a:prstGeom>
         </p:spPr>
       </p:pic>
+      <p:sp>
+        <p:nvSpPr>
+          <p:cNvPr id="6" name="Foliennummernplatzhalter 5">
+            <a:extLst>
+              <a:ext uri="{FF2B5EF4-FFF2-40B4-BE49-F238E27FC236}">
+                <a16:creationId xmlns:a16="http://schemas.microsoft.com/office/drawing/2014/main" id="{5F354EB3-2CAB-9264-3537-1144D7CDE5AB}"/>
+              </a:ext>
+            </a:extLst>
+          </p:cNvPr>
+          <p:cNvSpPr>
+            <a:spLocks noGrp="1"/>
+          </p:cNvSpPr>
+          <p:nvPr>
+            <p:ph type="sldNum" sz="quarter" idx="12"/>
+          </p:nvPr>
+        </p:nvSpPr>
+        <p:spPr/>
+        <p:txBody>
+          <a:bodyPr/>
+          <a:lstStyle/>
+          <a:p>
+            <a:fld id="{0D56C65D-55DC-4838-A81A-8CE4A2C9283D}" type="slidenum">
+              <a:rPr lang="de-DE" smtClean="0"/>
+              <a:t>14</a:t>
+            </a:fld>
+            <a:endParaRPr lang="de-DE"/>
+          </a:p>
+        </p:txBody>
+      </p:sp>
     </p:spTree>
     <p:extLst>
       <p:ext uri="{BB962C8B-B14F-4D97-AF65-F5344CB8AC3E}">
@@ -10674,6 +11245,35 @@
           </a:graphicData>
         </a:graphic>
       </p:graphicFrame>
+      <p:sp>
+        <p:nvSpPr>
+          <p:cNvPr id="4" name="Foliennummernplatzhalter 3">
+            <a:extLst>
+              <a:ext uri="{FF2B5EF4-FFF2-40B4-BE49-F238E27FC236}">
+                <a16:creationId xmlns:a16="http://schemas.microsoft.com/office/drawing/2014/main" id="{7DC99E76-454C-228F-0FB3-760CD4BFDB89}"/>
+              </a:ext>
+            </a:extLst>
+          </p:cNvPr>
+          <p:cNvSpPr>
+            <a:spLocks noGrp="1"/>
+          </p:cNvSpPr>
+          <p:nvPr>
+            <p:ph type="sldNum" sz="quarter" idx="12"/>
+          </p:nvPr>
+        </p:nvSpPr>
+        <p:spPr/>
+        <p:txBody>
+          <a:bodyPr/>
+          <a:lstStyle/>
+          <a:p>
+            <a:fld id="{0D56C65D-55DC-4838-A81A-8CE4A2C9283D}" type="slidenum">
+              <a:rPr lang="de-DE" smtClean="0"/>
+              <a:t>2</a:t>
+            </a:fld>
+            <a:endParaRPr lang="de-DE"/>
+          </a:p>
+        </p:txBody>
+      </p:sp>
     </p:spTree>
     <p:extLst>
       <p:ext uri="{BB962C8B-B14F-4D97-AF65-F5344CB8AC3E}">
@@ -11389,6 +11989,35 @@
           </a:prstGeom>
         </p:spPr>
       </p:pic>
+      <p:sp>
+        <p:nvSpPr>
+          <p:cNvPr id="5" name="Foliennummernplatzhalter 4">
+            <a:extLst>
+              <a:ext uri="{FF2B5EF4-FFF2-40B4-BE49-F238E27FC236}">
+                <a16:creationId xmlns:a16="http://schemas.microsoft.com/office/drawing/2014/main" id="{2A2CB796-4505-6D40-3B14-28A8D8A55DB9}"/>
+              </a:ext>
+            </a:extLst>
+          </p:cNvPr>
+          <p:cNvSpPr>
+            <a:spLocks noGrp="1"/>
+          </p:cNvSpPr>
+          <p:nvPr>
+            <p:ph type="sldNum" sz="quarter" idx="12"/>
+          </p:nvPr>
+        </p:nvSpPr>
+        <p:spPr/>
+        <p:txBody>
+          <a:bodyPr/>
+          <a:lstStyle/>
+          <a:p>
+            <a:fld id="{0D56C65D-55DC-4838-A81A-8CE4A2C9283D}" type="slidenum">
+              <a:rPr lang="de-DE" smtClean="0"/>
+              <a:t>3</a:t>
+            </a:fld>
+            <a:endParaRPr lang="de-DE"/>
+          </a:p>
+        </p:txBody>
+      </p:sp>
     </p:spTree>
     <p:extLst>
       <p:ext uri="{BB962C8B-B14F-4D97-AF65-F5344CB8AC3E}">
@@ -12056,6 +12685,35 @@
           </a:prstGeom>
         </p:spPr>
       </p:pic>
+      <p:sp>
+        <p:nvSpPr>
+          <p:cNvPr id="5" name="Foliennummernplatzhalter 4">
+            <a:extLst>
+              <a:ext uri="{FF2B5EF4-FFF2-40B4-BE49-F238E27FC236}">
+                <a16:creationId xmlns:a16="http://schemas.microsoft.com/office/drawing/2014/main" id="{7A919765-E58C-52A7-4243-23597996D000}"/>
+              </a:ext>
+            </a:extLst>
+          </p:cNvPr>
+          <p:cNvSpPr>
+            <a:spLocks noGrp="1"/>
+          </p:cNvSpPr>
+          <p:nvPr>
+            <p:ph type="sldNum" sz="quarter" idx="12"/>
+          </p:nvPr>
+        </p:nvSpPr>
+        <p:spPr/>
+        <p:txBody>
+          <a:bodyPr/>
+          <a:lstStyle/>
+          <a:p>
+            <a:fld id="{0D56C65D-55DC-4838-A81A-8CE4A2C9283D}" type="slidenum">
+              <a:rPr lang="de-DE" smtClean="0"/>
+              <a:t>4</a:t>
+            </a:fld>
+            <a:endParaRPr lang="de-DE"/>
+          </a:p>
+        </p:txBody>
+      </p:sp>
     </p:spTree>
     <p:extLst>
       <p:ext uri="{BB962C8B-B14F-4D97-AF65-F5344CB8AC3E}">
@@ -12698,6 +13356,43 @@
           <a:p>
             <a:pPr algn="ctr"/>
             <a:endParaRPr lang="en-US"/>
+          </a:p>
+        </p:txBody>
+      </p:sp>
+      <p:sp>
+        <p:nvSpPr>
+          <p:cNvPr id="11" name="Foliennummernplatzhalter 10">
+            <a:extLst>
+              <a:ext uri="{FF2B5EF4-FFF2-40B4-BE49-F238E27FC236}">
+                <a16:creationId xmlns:a16="http://schemas.microsoft.com/office/drawing/2014/main" id="{867B1790-AF2E-2883-2391-E2DFA217D356}"/>
+              </a:ext>
+            </a:extLst>
+          </p:cNvPr>
+          <p:cNvSpPr>
+            <a:spLocks noGrp="1"/>
+          </p:cNvSpPr>
+          <p:nvPr>
+            <p:ph type="sldNum" sz="quarter" idx="12"/>
+          </p:nvPr>
+        </p:nvSpPr>
+        <p:spPr/>
+        <p:txBody>
+          <a:bodyPr/>
+          <a:lstStyle/>
+          <a:p>
+            <a:fld id="{0D56C65D-55DC-4838-A81A-8CE4A2C9283D}" type="slidenum">
+              <a:rPr lang="de-DE" smtClean="0">
+                <a:solidFill>
+                  <a:schemeClr val="bg1"/>
+                </a:solidFill>
+              </a:rPr>
+              <a:t>5</a:t>
+            </a:fld>
+            <a:endParaRPr lang="de-DE" dirty="0">
+              <a:solidFill>
+                <a:schemeClr val="bg1"/>
+              </a:solidFill>
+            </a:endParaRPr>
           </a:p>
         </p:txBody>
       </p:sp>
@@ -13436,6 +14131,35 @@
           </a:prstGeom>
         </p:spPr>
       </p:pic>
+      <p:sp>
+        <p:nvSpPr>
+          <p:cNvPr id="6" name="Foliennummernplatzhalter 5">
+            <a:extLst>
+              <a:ext uri="{FF2B5EF4-FFF2-40B4-BE49-F238E27FC236}">
+                <a16:creationId xmlns:a16="http://schemas.microsoft.com/office/drawing/2014/main" id="{01E4905D-AD65-7587-230B-3E73C79D3C13}"/>
+              </a:ext>
+            </a:extLst>
+          </p:cNvPr>
+          <p:cNvSpPr>
+            <a:spLocks noGrp="1"/>
+          </p:cNvSpPr>
+          <p:nvPr>
+            <p:ph type="sldNum" sz="quarter" idx="12"/>
+          </p:nvPr>
+        </p:nvSpPr>
+        <p:spPr/>
+        <p:txBody>
+          <a:bodyPr/>
+          <a:lstStyle/>
+          <a:p>
+            <a:fld id="{0D56C65D-55DC-4838-A81A-8CE4A2C9283D}" type="slidenum">
+              <a:rPr lang="de-DE" smtClean="0"/>
+              <a:t>6</a:t>
+            </a:fld>
+            <a:endParaRPr lang="de-DE"/>
+          </a:p>
+        </p:txBody>
+      </p:sp>
     </p:spTree>
     <p:extLst>
       <p:ext uri="{BB962C8B-B14F-4D97-AF65-F5344CB8AC3E}">
@@ -14161,6 +14885,35 @@
           </a:prstGeom>
         </p:spPr>
       </p:pic>
+      <p:sp>
+        <p:nvSpPr>
+          <p:cNvPr id="9" name="Foliennummernplatzhalter 8">
+            <a:extLst>
+              <a:ext uri="{FF2B5EF4-FFF2-40B4-BE49-F238E27FC236}">
+                <a16:creationId xmlns:a16="http://schemas.microsoft.com/office/drawing/2014/main" id="{D5527308-DF33-69EB-1868-E2EB967F0CE1}"/>
+              </a:ext>
+            </a:extLst>
+          </p:cNvPr>
+          <p:cNvSpPr>
+            <a:spLocks noGrp="1"/>
+          </p:cNvSpPr>
+          <p:nvPr>
+            <p:ph type="sldNum" sz="quarter" idx="12"/>
+          </p:nvPr>
+        </p:nvSpPr>
+        <p:spPr/>
+        <p:txBody>
+          <a:bodyPr/>
+          <a:lstStyle/>
+          <a:p>
+            <a:fld id="{0D56C65D-55DC-4838-A81A-8CE4A2C9283D}" type="slidenum">
+              <a:rPr lang="de-DE" smtClean="0"/>
+              <a:t>7</a:t>
+            </a:fld>
+            <a:endParaRPr lang="de-DE"/>
+          </a:p>
+        </p:txBody>
+      </p:sp>
     </p:spTree>
     <p:extLst>
       <p:ext uri="{BB962C8B-B14F-4D97-AF65-F5344CB8AC3E}">
@@ -14814,14 +15567,14 @@
           <a:lstStyle/>
           <a:p>
             <a:r>
-              <a:rPr lang="de-DE" sz="2000"/>
+              <a:rPr lang="de-DE" sz="2000" dirty="0"/>
               <a:t>3 Schwierigkeiten</a:t>
             </a:r>
           </a:p>
           <a:p>
             <a:pPr lvl="1"/>
             <a:r>
-              <a:rPr lang="de-DE" sz="2000"/>
+              <a:rPr lang="de-DE" sz="2000" dirty="0"/>
               <a:t>Einfach</a:t>
             </a:r>
           </a:p>
@@ -14841,19 +15594,19 @@
           </a:p>
           <a:p>
             <a:r>
-              <a:rPr lang="de-DE" sz="2000"/>
+              <a:rPr lang="de-DE" sz="2000" dirty="0"/>
               <a:t>Auswahl der Felder über gewertete Arrays</a:t>
             </a:r>
           </a:p>
           <a:p>
             <a:pPr lvl="1"/>
-            <a:endParaRPr lang="de-DE" sz="2000"/>
+            <a:endParaRPr lang="de-DE" sz="2000" dirty="0"/>
           </a:p>
           <a:p>
             <a:pPr marL="457200" lvl="1" indent="0">
               <a:buNone/>
             </a:pPr>
-            <a:endParaRPr lang="de-DE" sz="2000"/>
+            <a:endParaRPr lang="de-DE" sz="2000" dirty="0"/>
           </a:p>
         </p:txBody>
       </p:sp>
@@ -14887,6 +15640,35 @@
           </a:prstGeom>
         </p:spPr>
       </p:pic>
+      <p:sp>
+        <p:nvSpPr>
+          <p:cNvPr id="6" name="Foliennummernplatzhalter 5">
+            <a:extLst>
+              <a:ext uri="{FF2B5EF4-FFF2-40B4-BE49-F238E27FC236}">
+                <a16:creationId xmlns:a16="http://schemas.microsoft.com/office/drawing/2014/main" id="{CF4DED02-69E2-B26E-C718-0C357DCC06C9}"/>
+              </a:ext>
+            </a:extLst>
+          </p:cNvPr>
+          <p:cNvSpPr>
+            <a:spLocks noGrp="1"/>
+          </p:cNvSpPr>
+          <p:nvPr>
+            <p:ph type="sldNum" sz="quarter" idx="12"/>
+          </p:nvPr>
+        </p:nvSpPr>
+        <p:spPr/>
+        <p:txBody>
+          <a:bodyPr/>
+          <a:lstStyle/>
+          <a:p>
+            <a:fld id="{0D56C65D-55DC-4838-A81A-8CE4A2C9283D}" type="slidenum">
+              <a:rPr lang="de-DE" smtClean="0"/>
+              <a:t>8</a:t>
+            </a:fld>
+            <a:endParaRPr lang="de-DE"/>
+          </a:p>
+        </p:txBody>
+      </p:sp>
     </p:spTree>
     <p:extLst>
       <p:ext uri="{BB962C8B-B14F-4D97-AF65-F5344CB8AC3E}">
@@ -15634,6 +16416,35 @@
           </a:p>
           <a:p>
             <a:endParaRPr lang="de-DE" sz="2000"/>
+          </a:p>
+        </p:txBody>
+      </p:sp>
+      <p:sp>
+        <p:nvSpPr>
+          <p:cNvPr id="4" name="Foliennummernplatzhalter 3">
+            <a:extLst>
+              <a:ext uri="{FF2B5EF4-FFF2-40B4-BE49-F238E27FC236}">
+                <a16:creationId xmlns:a16="http://schemas.microsoft.com/office/drawing/2014/main" id="{5D34CCD6-F1E6-7283-360C-B6208D2584BC}"/>
+              </a:ext>
+            </a:extLst>
+          </p:cNvPr>
+          <p:cNvSpPr>
+            <a:spLocks noGrp="1"/>
+          </p:cNvSpPr>
+          <p:nvPr>
+            <p:ph type="sldNum" sz="quarter" idx="12"/>
+          </p:nvPr>
+        </p:nvSpPr>
+        <p:spPr/>
+        <p:txBody>
+          <a:bodyPr/>
+          <a:lstStyle/>
+          <a:p>
+            <a:fld id="{0D56C65D-55DC-4838-A81A-8CE4A2C9283D}" type="slidenum">
+              <a:rPr lang="de-DE" smtClean="0"/>
+              <a:t>9</a:t>
+            </a:fld>
+            <a:endParaRPr lang="de-DE"/>
           </a:p>
         </p:txBody>
       </p:sp>
@@ -15943,4 +16754,299 @@
     </a:ext>
   </a:extLst>
 </a:theme>
+</file>
+
+<file path=ppt/theme/theme2.xml><?xml version="1.0" encoding="utf-8"?>
+<a:theme xmlns:a="http://schemas.openxmlformats.org/drawingml/2006/main" name="Office">
+  <a:themeElements>
+    <a:clrScheme name="Office">
+      <a:dk1>
+        <a:sysClr val="windowText" lastClr="000000"/>
+      </a:dk1>
+      <a:lt1>
+        <a:sysClr val="window" lastClr="FFFFFF"/>
+      </a:lt1>
+      <a:dk2>
+        <a:srgbClr val="44546A"/>
+      </a:dk2>
+      <a:lt2>
+        <a:srgbClr val="E7E6E6"/>
+      </a:lt2>
+      <a:accent1>
+        <a:srgbClr val="4472C4"/>
+      </a:accent1>
+      <a:accent2>
+        <a:srgbClr val="ED7D31"/>
+      </a:accent2>
+      <a:accent3>
+        <a:srgbClr val="A5A5A5"/>
+      </a:accent3>
+      <a:accent4>
+        <a:srgbClr val="FFC000"/>
+      </a:accent4>
+      <a:accent5>
+        <a:srgbClr val="5B9BD5"/>
+      </a:accent5>
+      <a:accent6>
+        <a:srgbClr val="70AD47"/>
+      </a:accent6>
+      <a:hlink>
+        <a:srgbClr val="0563C1"/>
+      </a:hlink>
+      <a:folHlink>
+        <a:srgbClr val="954F72"/>
+      </a:folHlink>
+    </a:clrScheme>
+    <a:fontScheme name="Office">
+      <a:majorFont>
+        <a:latin typeface="Calibri Light" panose="020F0302020204030204"/>
+        <a:ea typeface=""/>
+        <a:cs typeface=""/>
+        <a:font script="Jpan" typeface="游ゴシック Light"/>
+        <a:font script="Hang" typeface="맑은 고딕"/>
+        <a:font script="Hans" typeface="等线 Light"/>
+        <a:font script="Hant" typeface="新細明體"/>
+        <a:font script="Arab" typeface="Times New Roman"/>
+        <a:font script="Hebr" typeface="Times New Roman"/>
+        <a:font script="Thai" typeface="Angsana New"/>
+        <a:font script="Ethi" typeface="Nyala"/>
+        <a:font script="Beng" typeface="Vrinda"/>
+        <a:font script="Gujr" typeface="Shruti"/>
+        <a:font script="Khmr" typeface="MoolBoran"/>
+        <a:font script="Knda" typeface="Tunga"/>
+        <a:font script="Guru" typeface="Raavi"/>
+        <a:font script="Cans" typeface="Euphemia"/>
+        <a:font script="Cher" typeface="Plantagenet Cherokee"/>
+        <a:font script="Yiii" typeface="Microsoft Yi Baiti"/>
+        <a:font script="Tibt" typeface="Microsoft Himalaya"/>
+        <a:font script="Thaa" typeface="MV Boli"/>
+        <a:font script="Deva" typeface="Mangal"/>
+        <a:font script="Telu" typeface="Gautami"/>
+        <a:font script="Taml" typeface="Latha"/>
+        <a:font script="Syrc" typeface="Estrangelo Edessa"/>
+        <a:font script="Orya" typeface="Kalinga"/>
+        <a:font script="Mlym" typeface="Kartika"/>
+        <a:font script="Laoo" typeface="DokChampa"/>
+        <a:font script="Sinh" typeface="Iskoola Pota"/>
+        <a:font script="Mong" typeface="Mongolian Baiti"/>
+        <a:font script="Viet" typeface="Times New Roman"/>
+        <a:font script="Uigh" typeface="Microsoft Uighur"/>
+        <a:font script="Geor" typeface="Sylfaen"/>
+        <a:font script="Armn" typeface="Arial"/>
+        <a:font script="Bugi" typeface="Leelawadee UI"/>
+        <a:font script="Bopo" typeface="Microsoft JhengHei"/>
+        <a:font script="Java" typeface="Javanese Text"/>
+        <a:font script="Lisu" typeface="Segoe UI"/>
+        <a:font script="Mymr" typeface="Myanmar Text"/>
+        <a:font script="Nkoo" typeface="Ebrima"/>
+        <a:font script="Olck" typeface="Nirmala UI"/>
+        <a:font script="Osma" typeface="Ebrima"/>
+        <a:font script="Phag" typeface="Phagspa"/>
+        <a:font script="Syrn" typeface="Estrangelo Edessa"/>
+        <a:font script="Syrj" typeface="Estrangelo Edessa"/>
+        <a:font script="Syre" typeface="Estrangelo Edessa"/>
+        <a:font script="Sora" typeface="Nirmala UI"/>
+        <a:font script="Tale" typeface="Microsoft Tai Le"/>
+        <a:font script="Talu" typeface="Microsoft New Tai Lue"/>
+        <a:font script="Tfng" typeface="Ebrima"/>
+      </a:majorFont>
+      <a:minorFont>
+        <a:latin typeface="Calibri" panose="020F0502020204030204"/>
+        <a:ea typeface=""/>
+        <a:cs typeface=""/>
+        <a:font script="Jpan" typeface="游ゴシック"/>
+        <a:font script="Hang" typeface="맑은 고딕"/>
+        <a:font script="Hans" typeface="等线"/>
+        <a:font script="Hant" typeface="新細明體"/>
+        <a:font script="Arab" typeface="Arial"/>
+        <a:font script="Hebr" typeface="Arial"/>
+        <a:font script="Thai" typeface="Cordia New"/>
+        <a:font script="Ethi" typeface="Nyala"/>
+        <a:font script="Beng" typeface="Vrinda"/>
+        <a:font script="Gujr" typeface="Shruti"/>
+        <a:font script="Khmr" typeface="DaunPenh"/>
+        <a:font script="Knda" typeface="Tunga"/>
+        <a:font script="Guru" typeface="Raavi"/>
+        <a:font script="Cans" typeface="Euphemia"/>
+        <a:font script="Cher" typeface="Plantagenet Cherokee"/>
+        <a:font script="Yiii" typeface="Microsoft Yi Baiti"/>
+        <a:font script="Tibt" typeface="Microsoft Himalaya"/>
+        <a:font script="Thaa" typeface="MV Boli"/>
+        <a:font script="Deva" typeface="Mangal"/>
+        <a:font script="Telu" typeface="Gautami"/>
+        <a:font script="Taml" typeface="Latha"/>
+        <a:font script="Syrc" typeface="Estrangelo Edessa"/>
+        <a:font script="Orya" typeface="Kalinga"/>
+        <a:font script="Mlym" typeface="Kartika"/>
+        <a:font script="Laoo" typeface="DokChampa"/>
+        <a:font script="Sinh" typeface="Iskoola Pota"/>
+        <a:font script="Mong" typeface="Mongolian Baiti"/>
+        <a:font script="Viet" typeface="Arial"/>
+        <a:font script="Uigh" typeface="Microsoft Uighur"/>
+        <a:font script="Geor" typeface="Sylfaen"/>
+        <a:font script="Armn" typeface="Arial"/>
+        <a:font script="Bugi" typeface="Leelawadee UI"/>
+        <a:font script="Bopo" typeface="Microsoft JhengHei"/>
+        <a:font script="Java" typeface="Javanese Text"/>
+        <a:font script="Lisu" typeface="Segoe UI"/>
+        <a:font script="Mymr" typeface="Myanmar Text"/>
+        <a:font script="Nkoo" typeface="Ebrima"/>
+        <a:font script="Olck" typeface="Nirmala UI"/>
+        <a:font script="Osma" typeface="Ebrima"/>
+        <a:font script="Phag" typeface="Phagspa"/>
+        <a:font script="Syrn" typeface="Estrangelo Edessa"/>
+        <a:font script="Syrj" typeface="Estrangelo Edessa"/>
+        <a:font script="Syre" typeface="Estrangelo Edessa"/>
+        <a:font script="Sora" typeface="Nirmala UI"/>
+        <a:font script="Tale" typeface="Microsoft Tai Le"/>
+        <a:font script="Talu" typeface="Microsoft New Tai Lue"/>
+        <a:font script="Tfng" typeface="Ebrima"/>
+      </a:minorFont>
+    </a:fontScheme>
+    <a:fmtScheme name="Office">
+      <a:fillStyleLst>
+        <a:solidFill>
+          <a:schemeClr val="phClr"/>
+        </a:solidFill>
+        <a:gradFill rotWithShape="1">
+          <a:gsLst>
+            <a:gs pos="0">
+              <a:schemeClr val="phClr">
+                <a:lumMod val="110000"/>
+                <a:satMod val="105000"/>
+                <a:tint val="67000"/>
+              </a:schemeClr>
+            </a:gs>
+            <a:gs pos="50000">
+              <a:schemeClr val="phClr">
+                <a:lumMod val="105000"/>
+                <a:satMod val="103000"/>
+                <a:tint val="73000"/>
+              </a:schemeClr>
+            </a:gs>
+            <a:gs pos="100000">
+              <a:schemeClr val="phClr">
+                <a:lumMod val="105000"/>
+                <a:satMod val="109000"/>
+                <a:tint val="81000"/>
+              </a:schemeClr>
+            </a:gs>
+          </a:gsLst>
+          <a:lin ang="5400000" scaled="0"/>
+        </a:gradFill>
+        <a:gradFill rotWithShape="1">
+          <a:gsLst>
+            <a:gs pos="0">
+              <a:schemeClr val="phClr">
+                <a:satMod val="103000"/>
+                <a:lumMod val="102000"/>
+                <a:tint val="94000"/>
+              </a:schemeClr>
+            </a:gs>
+            <a:gs pos="50000">
+              <a:schemeClr val="phClr">
+                <a:satMod val="110000"/>
+                <a:lumMod val="100000"/>
+                <a:shade val="100000"/>
+              </a:schemeClr>
+            </a:gs>
+            <a:gs pos="100000">
+              <a:schemeClr val="phClr">
+                <a:lumMod val="99000"/>
+                <a:satMod val="120000"/>
+                <a:shade val="78000"/>
+              </a:schemeClr>
+            </a:gs>
+          </a:gsLst>
+          <a:lin ang="5400000" scaled="0"/>
+        </a:gradFill>
+      </a:fillStyleLst>
+      <a:lnStyleLst>
+        <a:ln w="6350" cap="flat" cmpd="sng" algn="ctr">
+          <a:solidFill>
+            <a:schemeClr val="phClr"/>
+          </a:solidFill>
+          <a:prstDash val="solid"/>
+          <a:miter lim="800000"/>
+        </a:ln>
+        <a:ln w="12700" cap="flat" cmpd="sng" algn="ctr">
+          <a:solidFill>
+            <a:schemeClr val="phClr"/>
+          </a:solidFill>
+          <a:prstDash val="solid"/>
+          <a:miter lim="800000"/>
+        </a:ln>
+        <a:ln w="19050" cap="flat" cmpd="sng" algn="ctr">
+          <a:solidFill>
+            <a:schemeClr val="phClr"/>
+          </a:solidFill>
+          <a:prstDash val="solid"/>
+          <a:miter lim="800000"/>
+        </a:ln>
+      </a:lnStyleLst>
+      <a:effectStyleLst>
+        <a:effectStyle>
+          <a:effectLst/>
+        </a:effectStyle>
+        <a:effectStyle>
+          <a:effectLst/>
+        </a:effectStyle>
+        <a:effectStyle>
+          <a:effectLst>
+            <a:outerShdw blurRad="57150" dist="19050" dir="5400000" algn="ctr" rotWithShape="0">
+              <a:srgbClr val="000000">
+                <a:alpha val="63000"/>
+              </a:srgbClr>
+            </a:outerShdw>
+          </a:effectLst>
+        </a:effectStyle>
+      </a:effectStyleLst>
+      <a:bgFillStyleLst>
+        <a:solidFill>
+          <a:schemeClr val="phClr"/>
+        </a:solidFill>
+        <a:solidFill>
+          <a:schemeClr val="phClr">
+            <a:tint val="95000"/>
+            <a:satMod val="170000"/>
+          </a:schemeClr>
+        </a:solidFill>
+        <a:gradFill rotWithShape="1">
+          <a:gsLst>
+            <a:gs pos="0">
+              <a:schemeClr val="phClr">
+                <a:tint val="93000"/>
+                <a:satMod val="150000"/>
+                <a:shade val="98000"/>
+                <a:lumMod val="102000"/>
+              </a:schemeClr>
+            </a:gs>
+            <a:gs pos="50000">
+              <a:schemeClr val="phClr">
+                <a:tint val="98000"/>
+                <a:satMod val="130000"/>
+                <a:shade val="90000"/>
+                <a:lumMod val="103000"/>
+              </a:schemeClr>
+            </a:gs>
+            <a:gs pos="100000">
+              <a:schemeClr val="phClr">
+                <a:shade val="63000"/>
+                <a:satMod val="120000"/>
+              </a:schemeClr>
+            </a:gs>
+          </a:gsLst>
+          <a:lin ang="5400000" scaled="0"/>
+        </a:gradFill>
+      </a:bgFillStyleLst>
+    </a:fmtScheme>
+  </a:themeElements>
+  <a:objectDefaults/>
+  <a:extraClrSchemeLst/>
+  <a:extLst>
+    <a:ext uri="{05A4C25C-085E-4340-85A3-A5531E510DB2}">
+      <thm15:themeFamily xmlns:thm15="http://schemas.microsoft.com/office/thememl/2012/main" name="Office Theme" id="{62F939B6-93AF-4DB8-9C6B-D6C7DFDC589F}" vid="{4A3C46E8-61CC-4603-A589-7422A47A8E4A}"/>
+    </a:ext>
+  </a:extLst>
+</a:theme>
 </file>